--- a/pt/ProgrammingLessons/Pseudocode.pptx
+++ b/pt/ProgrammingLessons/Pseudocode.pptx
@@ -136,6 +136,261 @@
 </p:presentation>
 </file>
 
+<file path=ppt/revisionInfo.xml><?xml version="1.0" encoding="utf-8"?>
+<p1510:revInfo xmlns:a="http://schemas.openxmlformats.org/drawingml/2006/main" xmlns:r="http://schemas.openxmlformats.org/officeDocument/2006/relationships" xmlns:p1510="http://schemas.microsoft.com/office/powerpoint/2015/10/main">
+  <p1510:revLst>
+    <p1510:client id="{E382069A-A44A-4E46-9678-BBC05CF1CD18}" v="6" dt="2020-07-12T23:45:00.918"/>
+  </p1510:revLst>
+</p1510:revInfo>
+</file>
+
+<file path=ppt/changesInfos/changesInfo1.xml><?xml version="1.0" encoding="utf-8"?>
+<pc:chgInfo xmlns:a="http://schemas.openxmlformats.org/drawingml/2006/main" xmlns:r="http://schemas.openxmlformats.org/officeDocument/2006/relationships" xmlns:ac="http://schemas.microsoft.com/office/drawing/2013/main/command" xmlns:pc="http://schemas.microsoft.com/office/powerpoint/2013/main/command">
+  <pc:docChgLst>
+    <pc:chgData name="Anderson Harayashiki Moreira" userId="07ffc975ff648281" providerId="LiveId" clId="{E382069A-A44A-4E46-9678-BBC05CF1CD18}"/>
+    <pc:docChg chg="custSel modSld">
+      <pc:chgData name="Anderson Harayashiki Moreira" userId="07ffc975ff648281" providerId="LiveId" clId="{E382069A-A44A-4E46-9678-BBC05CF1CD18}" dt="2020-07-12T23:45:00.918" v="114"/>
+      <pc:docMkLst>
+        <pc:docMk/>
+      </pc:docMkLst>
+      <pc:sldChg chg="addSp delSp modSp">
+        <pc:chgData name="Anderson Harayashiki Moreira" userId="07ffc975ff648281" providerId="LiveId" clId="{E382069A-A44A-4E46-9678-BBC05CF1CD18}" dt="2020-07-12T23:45:00.918" v="114"/>
+        <pc:sldMkLst>
+          <pc:docMk/>
+          <pc:sldMk cId="675085363" sldId="257"/>
+        </pc:sldMkLst>
+        <pc:spChg chg="mod">
+          <ac:chgData name="Anderson Harayashiki Moreira" userId="07ffc975ff648281" providerId="LiveId" clId="{E382069A-A44A-4E46-9678-BBC05CF1CD18}" dt="2020-07-12T23:37:05.084" v="2" actId="20577"/>
+          <ac:spMkLst>
+            <pc:docMk/>
+            <pc:sldMk cId="675085363" sldId="257"/>
+            <ac:spMk id="3" creationId="{00000000-0000-0000-0000-000000000000}"/>
+          </ac:spMkLst>
+        </pc:spChg>
+        <pc:spChg chg="del">
+          <ac:chgData name="Anderson Harayashiki Moreira" userId="07ffc975ff648281" providerId="LiveId" clId="{E382069A-A44A-4E46-9678-BBC05CF1CD18}" dt="2020-07-12T23:45:00.241" v="113" actId="478"/>
+          <ac:spMkLst>
+            <pc:docMk/>
+            <pc:sldMk cId="675085363" sldId="257"/>
+            <ac:spMk id="4" creationId="{00000000-0000-0000-0000-000000000000}"/>
+          </ac:spMkLst>
+        </pc:spChg>
+        <pc:spChg chg="add">
+          <ac:chgData name="Anderson Harayashiki Moreira" userId="07ffc975ff648281" providerId="LiveId" clId="{E382069A-A44A-4E46-9678-BBC05CF1CD18}" dt="2020-07-12T23:45:00.918" v="114"/>
+          <ac:spMkLst>
+            <pc:docMk/>
+            <pc:sldMk cId="675085363" sldId="257"/>
+            <ac:spMk id="6" creationId="{940B27E2-58A6-44BB-AA56-BF095BD3EA7B}"/>
+          </ac:spMkLst>
+        </pc:spChg>
+      </pc:sldChg>
+      <pc:sldChg chg="modSp">
+        <pc:chgData name="Anderson Harayashiki Moreira" userId="07ffc975ff648281" providerId="LiveId" clId="{E382069A-A44A-4E46-9678-BBC05CF1CD18}" dt="2020-07-12T23:44:39.115" v="102" actId="20577"/>
+        <pc:sldMkLst>
+          <pc:docMk/>
+          <pc:sldMk cId="3392129947" sldId="288"/>
+        </pc:sldMkLst>
+        <pc:spChg chg="mod">
+          <ac:chgData name="Anderson Harayashiki Moreira" userId="07ffc975ff648281" providerId="LiveId" clId="{E382069A-A44A-4E46-9678-BBC05CF1CD18}" dt="2020-07-12T23:44:29.146" v="98" actId="20577"/>
+          <ac:spMkLst>
+            <pc:docMk/>
+            <pc:sldMk cId="3392129947" sldId="288"/>
+            <ac:spMk id="3" creationId="{00000000-0000-0000-0000-000000000000}"/>
+          </ac:spMkLst>
+        </pc:spChg>
+        <pc:spChg chg="mod">
+          <ac:chgData name="Anderson Harayashiki Moreira" userId="07ffc975ff648281" providerId="LiveId" clId="{E382069A-A44A-4E46-9678-BBC05CF1CD18}" dt="2020-07-12T23:44:39.115" v="102" actId="20577"/>
+          <ac:spMkLst>
+            <pc:docMk/>
+            <pc:sldMk cId="3392129947" sldId="288"/>
+            <ac:spMk id="4" creationId="{00000000-0000-0000-0000-000000000000}"/>
+          </ac:spMkLst>
+        </pc:spChg>
+      </pc:sldChg>
+      <pc:sldChg chg="addSp delSp modSp">
+        <pc:chgData name="Anderson Harayashiki Moreira" userId="07ffc975ff648281" providerId="LiveId" clId="{E382069A-A44A-4E46-9678-BBC05CF1CD18}" dt="2020-07-12T23:44:58.149" v="112"/>
+        <pc:sldMkLst>
+          <pc:docMk/>
+          <pc:sldMk cId="2627681081" sldId="289"/>
+        </pc:sldMkLst>
+        <pc:spChg chg="mod">
+          <ac:chgData name="Anderson Harayashiki Moreira" userId="07ffc975ff648281" providerId="LiveId" clId="{E382069A-A44A-4E46-9678-BBC05CF1CD18}" dt="2020-07-12T23:41:43.273" v="28" actId="123"/>
+          <ac:spMkLst>
+            <pc:docMk/>
+            <pc:sldMk cId="2627681081" sldId="289"/>
+            <ac:spMk id="3" creationId="{18A39C2D-A97F-404D-B1D3-9C256B368EE3}"/>
+          </ac:spMkLst>
+        </pc:spChg>
+        <pc:spChg chg="del">
+          <ac:chgData name="Anderson Harayashiki Moreira" userId="07ffc975ff648281" providerId="LiveId" clId="{E382069A-A44A-4E46-9678-BBC05CF1CD18}" dt="2020-07-12T23:44:57.479" v="111" actId="478"/>
+          <ac:spMkLst>
+            <pc:docMk/>
+            <pc:sldMk cId="2627681081" sldId="289"/>
+            <ac:spMk id="4" creationId="{80E11A9B-8272-4892-84F4-9E0AFAB4ECFD}"/>
+          </ac:spMkLst>
+        </pc:spChg>
+        <pc:spChg chg="add">
+          <ac:chgData name="Anderson Harayashiki Moreira" userId="07ffc975ff648281" providerId="LiveId" clId="{E382069A-A44A-4E46-9678-BBC05CF1CD18}" dt="2020-07-12T23:44:58.149" v="112"/>
+          <ac:spMkLst>
+            <pc:docMk/>
+            <pc:sldMk cId="2627681081" sldId="289"/>
+            <ac:spMk id="6" creationId="{51F81C8A-3313-461A-AD56-62092C7C7ED3}"/>
+          </ac:spMkLst>
+        </pc:spChg>
+      </pc:sldChg>
+      <pc:sldChg chg="addSp delSp modSp">
+        <pc:chgData name="Anderson Harayashiki Moreira" userId="07ffc975ff648281" providerId="LiveId" clId="{E382069A-A44A-4E46-9678-BBC05CF1CD18}" dt="2020-07-12T23:44:55.332" v="110"/>
+        <pc:sldMkLst>
+          <pc:docMk/>
+          <pc:sldMk cId="484329828" sldId="290"/>
+        </pc:sldMkLst>
+        <pc:spChg chg="mod">
+          <ac:chgData name="Anderson Harayashiki Moreira" userId="07ffc975ff648281" providerId="LiveId" clId="{E382069A-A44A-4E46-9678-BBC05CF1CD18}" dt="2020-07-12T23:38:09.173" v="4" actId="20577"/>
+          <ac:spMkLst>
+            <pc:docMk/>
+            <pc:sldMk cId="484329828" sldId="290"/>
+            <ac:spMk id="2" creationId="{92435F20-8C89-4ABC-A0E9-C4E8AEDB01B2}"/>
+          </ac:spMkLst>
+        </pc:spChg>
+        <pc:spChg chg="mod">
+          <ac:chgData name="Anderson Harayashiki Moreira" userId="07ffc975ff648281" providerId="LiveId" clId="{E382069A-A44A-4E46-9678-BBC05CF1CD18}" dt="2020-07-12T23:41:36.750" v="27" actId="123"/>
+          <ac:spMkLst>
+            <pc:docMk/>
+            <pc:sldMk cId="484329828" sldId="290"/>
+            <ac:spMk id="3" creationId="{B136E067-BDE8-4555-B2F1-307AF36CA1F0}"/>
+          </ac:spMkLst>
+        </pc:spChg>
+        <pc:spChg chg="del">
+          <ac:chgData name="Anderson Harayashiki Moreira" userId="07ffc975ff648281" providerId="LiveId" clId="{E382069A-A44A-4E46-9678-BBC05CF1CD18}" dt="2020-07-12T23:44:54.723" v="109" actId="478"/>
+          <ac:spMkLst>
+            <pc:docMk/>
+            <pc:sldMk cId="484329828" sldId="290"/>
+            <ac:spMk id="4" creationId="{A92561EB-1B4B-4AED-BB72-2CF549367869}"/>
+          </ac:spMkLst>
+        </pc:spChg>
+        <pc:spChg chg="add">
+          <ac:chgData name="Anderson Harayashiki Moreira" userId="07ffc975ff648281" providerId="LiveId" clId="{E382069A-A44A-4E46-9678-BBC05CF1CD18}" dt="2020-07-12T23:44:55.332" v="110"/>
+          <ac:spMkLst>
+            <pc:docMk/>
+            <pc:sldMk cId="484329828" sldId="290"/>
+            <ac:spMk id="6" creationId="{0428DF72-AC0C-4032-8434-51C2B0328CD1}"/>
+          </ac:spMkLst>
+        </pc:spChg>
+      </pc:sldChg>
+      <pc:sldChg chg="addSp delSp modSp">
+        <pc:chgData name="Anderson Harayashiki Moreira" userId="07ffc975ff648281" providerId="LiveId" clId="{E382069A-A44A-4E46-9678-BBC05CF1CD18}" dt="2020-07-12T23:44:52.496" v="108"/>
+        <pc:sldMkLst>
+          <pc:docMk/>
+          <pc:sldMk cId="3820501774" sldId="292"/>
+        </pc:sldMkLst>
+        <pc:spChg chg="mod">
+          <ac:chgData name="Anderson Harayashiki Moreira" userId="07ffc975ff648281" providerId="LiveId" clId="{E382069A-A44A-4E46-9678-BBC05CF1CD18}" dt="2020-07-12T23:39:56.539" v="8" actId="14100"/>
+          <ac:spMkLst>
+            <pc:docMk/>
+            <pc:sldMk cId="3820501774" sldId="292"/>
+            <ac:spMk id="2" creationId="{E6B214A2-49D8-491D-A5CE-DB06EFC1D252}"/>
+          </ac:spMkLst>
+        </pc:spChg>
+        <pc:spChg chg="del">
+          <ac:chgData name="Anderson Harayashiki Moreira" userId="07ffc975ff648281" providerId="LiveId" clId="{E382069A-A44A-4E46-9678-BBC05CF1CD18}" dt="2020-07-12T23:44:51.807" v="107" actId="478"/>
+          <ac:spMkLst>
+            <pc:docMk/>
+            <pc:sldMk cId="3820501774" sldId="292"/>
+            <ac:spMk id="4" creationId="{9E2A5247-3673-463C-9CD6-E8DC4DF22DD5}"/>
+          </ac:spMkLst>
+        </pc:spChg>
+        <pc:spChg chg="add">
+          <ac:chgData name="Anderson Harayashiki Moreira" userId="07ffc975ff648281" providerId="LiveId" clId="{E382069A-A44A-4E46-9678-BBC05CF1CD18}" dt="2020-07-12T23:44:52.496" v="108"/>
+          <ac:spMkLst>
+            <pc:docMk/>
+            <pc:sldMk cId="3820501774" sldId="292"/>
+            <ac:spMk id="7" creationId="{F87FAACD-7228-414B-809B-1D50B46D4FA8}"/>
+          </ac:spMkLst>
+        </pc:spChg>
+        <pc:spChg chg="mod">
+          <ac:chgData name="Anderson Harayashiki Moreira" userId="07ffc975ff648281" providerId="LiveId" clId="{E382069A-A44A-4E46-9678-BBC05CF1CD18}" dt="2020-07-12T23:40:49.419" v="24" actId="20577"/>
+          <ac:spMkLst>
+            <pc:docMk/>
+            <pc:sldMk cId="3820501774" sldId="292"/>
+            <ac:spMk id="8" creationId="{6BBA6952-A3F8-4885-8D12-9050F89FA73C}"/>
+          </ac:spMkLst>
+        </pc:spChg>
+      </pc:sldChg>
+      <pc:sldChg chg="addSp delSp modSp">
+        <pc:chgData name="Anderson Harayashiki Moreira" userId="07ffc975ff648281" providerId="LiveId" clId="{E382069A-A44A-4E46-9678-BBC05CF1CD18}" dt="2020-07-12T23:44:49.786" v="106"/>
+        <pc:sldMkLst>
+          <pc:docMk/>
+          <pc:sldMk cId="1255337840" sldId="293"/>
+        </pc:sldMkLst>
+        <pc:spChg chg="mod">
+          <ac:chgData name="Anderson Harayashiki Moreira" userId="07ffc975ff648281" providerId="LiveId" clId="{E382069A-A44A-4E46-9678-BBC05CF1CD18}" dt="2020-07-12T23:42:56.726" v="43" actId="20577"/>
+          <ac:spMkLst>
+            <pc:docMk/>
+            <pc:sldMk cId="1255337840" sldId="293"/>
+            <ac:spMk id="3" creationId="{88A9FB1B-AAB5-4F94-8574-B650148DCB54}"/>
+          </ac:spMkLst>
+        </pc:spChg>
+        <pc:spChg chg="del">
+          <ac:chgData name="Anderson Harayashiki Moreira" userId="07ffc975ff648281" providerId="LiveId" clId="{E382069A-A44A-4E46-9678-BBC05CF1CD18}" dt="2020-07-12T23:44:49.315" v="105" actId="478"/>
+          <ac:spMkLst>
+            <pc:docMk/>
+            <pc:sldMk cId="1255337840" sldId="293"/>
+            <ac:spMk id="4" creationId="{A72D3E54-5FC7-46A3-BE08-D5C1CC49D9CD}"/>
+          </ac:spMkLst>
+        </pc:spChg>
+        <pc:spChg chg="mod">
+          <ac:chgData name="Anderson Harayashiki Moreira" userId="07ffc975ff648281" providerId="LiveId" clId="{E382069A-A44A-4E46-9678-BBC05CF1CD18}" dt="2020-07-12T23:43:05.576" v="44" actId="20577"/>
+          <ac:spMkLst>
+            <pc:docMk/>
+            <pc:sldMk cId="1255337840" sldId="293"/>
+            <ac:spMk id="8" creationId="{0C002910-298E-495A-A41A-5AE36CF25C7E}"/>
+          </ac:spMkLst>
+        </pc:spChg>
+        <pc:spChg chg="add">
+          <ac:chgData name="Anderson Harayashiki Moreira" userId="07ffc975ff648281" providerId="LiveId" clId="{E382069A-A44A-4E46-9678-BBC05CF1CD18}" dt="2020-07-12T23:44:49.786" v="106"/>
+          <ac:spMkLst>
+            <pc:docMk/>
+            <pc:sldMk cId="1255337840" sldId="293"/>
+            <ac:spMk id="18" creationId="{153C712E-B223-4CEC-9171-05BF051BF291}"/>
+          </ac:spMkLst>
+        </pc:spChg>
+      </pc:sldChg>
+      <pc:sldChg chg="addSp delSp modSp">
+        <pc:chgData name="Anderson Harayashiki Moreira" userId="07ffc975ff648281" providerId="LiveId" clId="{E382069A-A44A-4E46-9678-BBC05CF1CD18}" dt="2020-07-12T23:44:47.095" v="104"/>
+        <pc:sldMkLst>
+          <pc:docMk/>
+          <pc:sldMk cId="4215578681" sldId="294"/>
+        </pc:sldMkLst>
+        <pc:spChg chg="mod">
+          <ac:chgData name="Anderson Harayashiki Moreira" userId="07ffc975ff648281" providerId="LiveId" clId="{E382069A-A44A-4E46-9678-BBC05CF1CD18}" dt="2020-07-12T23:44:10.370" v="54" actId="404"/>
+          <ac:spMkLst>
+            <pc:docMk/>
+            <pc:sldMk cId="4215578681" sldId="294"/>
+            <ac:spMk id="3" creationId="{6356FB8D-085E-4E86-88CF-77431B52C13D}"/>
+          </ac:spMkLst>
+        </pc:spChg>
+        <pc:spChg chg="del">
+          <ac:chgData name="Anderson Harayashiki Moreira" userId="07ffc975ff648281" providerId="LiveId" clId="{E382069A-A44A-4E46-9678-BBC05CF1CD18}" dt="2020-07-12T23:44:46.396" v="103" actId="478"/>
+          <ac:spMkLst>
+            <pc:docMk/>
+            <pc:sldMk cId="4215578681" sldId="294"/>
+            <ac:spMk id="4" creationId="{E6997376-C878-44E8-BABC-8BC5267CE331}"/>
+          </ac:spMkLst>
+        </pc:spChg>
+        <pc:spChg chg="add">
+          <ac:chgData name="Anderson Harayashiki Moreira" userId="07ffc975ff648281" providerId="LiveId" clId="{E382069A-A44A-4E46-9678-BBC05CF1CD18}" dt="2020-07-12T23:44:47.095" v="104"/>
+          <ac:spMkLst>
+            <pc:docMk/>
+            <pc:sldMk cId="4215578681" sldId="294"/>
+            <ac:spMk id="9" creationId="{5C57F1E0-F952-4AA3-AC9B-65166230523A}"/>
+          </ac:spMkLst>
+        </pc:spChg>
+      </pc:sldChg>
+    </pc:docChg>
+  </pc:docChgLst>
+</pc:chgInfo>
+</file>
+
 <file path=ppt/handoutMasters/handoutMaster1.xml><?xml version="1.0" encoding="utf-8"?>
 <p:handoutMaster xmlns:a="http://schemas.openxmlformats.org/drawingml/2006/main" xmlns:r="http://schemas.openxmlformats.org/officeDocument/2006/relationships" xmlns:p="http://schemas.openxmlformats.org/presentationml/2006/main">
   <p:cSld>
@@ -218,7 +473,7 @@
           <a:p>
             <a:fld id="{58040048-1E4D-CD41-AC49-0750EB72586B}" type="datetimeFigureOut">
               <a:rPr lang="en-US" smtClean="0"/>
-              <a:t>6/8/2020</a:t>
+              <a:t>7/12/2020</a:t>
             </a:fld>
             <a:endParaRPr lang="en-US"/>
           </a:p>
@@ -384,7 +639,7 @@
           <a:p>
             <a:fld id="{2B8484CF-5098-F24E-8881-583515D5C406}" type="datetimeFigureOut">
               <a:rPr lang="en-US" smtClean="0"/>
-              <a:t>6/8/2020</a:t>
+              <a:t>7/12/2020</a:t>
             </a:fld>
             <a:endParaRPr lang="en-US"/>
           </a:p>
@@ -5622,33 +5877,11 @@
           <a:p>
             <a:r>
               <a:rPr lang="pt-BR" dirty="0"/>
-              <a:t>Aprender a planejar programas para a FIRST Lego League</a:t>
+              <a:t>Aprender a planejar programas para a FIRST LEGO League</a:t>
             </a:r>
           </a:p>
           <a:p>
             <a:endParaRPr lang="en-US" dirty="0"/>
-          </a:p>
-        </p:txBody>
-      </p:sp>
-      <p:sp>
-        <p:nvSpPr>
-          <p:cNvPr id="4" name="Footer Placeholder 3"/>
-          <p:cNvSpPr>
-            <a:spLocks noGrp="1"/>
-          </p:cNvSpPr>
-          <p:nvPr>
-            <p:ph type="ftr" sz="quarter" idx="11"/>
-          </p:nvPr>
-        </p:nvSpPr>
-        <p:spPr/>
-        <p:txBody>
-          <a:bodyPr/>
-          <a:lstStyle/>
-          <a:p>
-            <a:r>
-              <a:rPr lang="en-US"/>
-              <a:t>Copyright © 2020 SPIKE Prime Lessons (primelessons.org) CC-BY-NC-SA.  (Last edit: 1/9/2020)</a:t>
-            </a:r>
           </a:p>
         </p:txBody>
       </p:sp>
@@ -5678,6 +5911,39 @@
               <a:t>2</a:t>
             </a:fld>
             <a:endParaRPr lang="en-US"/>
+          </a:p>
+        </p:txBody>
+      </p:sp>
+      <p:sp>
+        <p:nvSpPr>
+          <p:cNvPr id="6" name="Footer Placeholder 3">
+            <a:extLst>
+              <a:ext uri="{FF2B5EF4-FFF2-40B4-BE49-F238E27FC236}">
+                <a16:creationId xmlns:a16="http://schemas.microsoft.com/office/drawing/2014/main" id="{940B27E2-58A6-44BB-AA56-BF095BD3EA7B}"/>
+              </a:ext>
+            </a:extLst>
+          </p:cNvPr>
+          <p:cNvSpPr>
+            <a:spLocks noGrp="1"/>
+          </p:cNvSpPr>
+          <p:nvPr>
+            <p:ph type="ftr" sz="quarter" idx="11"/>
+          </p:nvPr>
+        </p:nvSpPr>
+        <p:spPr>
+          <a:xfrm>
+            <a:off x="88409" y="6321349"/>
+            <a:ext cx="4870585" cy="365125"/>
+          </a:xfrm>
+        </p:spPr>
+        <p:txBody>
+          <a:bodyPr/>
+          <a:lstStyle/>
+          <a:p>
+            <a:r>
+              <a:rPr lang="en-US" dirty="0"/>
+              <a:t>Copyright © 2020 SPIKE Prime Lessons (primelessons.org) CC-BY-NC-SA.  (Last edit: 07/12/2020)</a:t>
+            </a:r>
           </a:p>
         </p:txBody>
       </p:sp>
@@ -5760,7 +6026,7 @@
           <a:bodyPr/>
           <a:lstStyle/>
           <a:p>
-            <a:pPr marL="342900" indent="-342900">
+            <a:pPr marL="342900" indent="-342900" algn="just">
               <a:buFont typeface="Arial" charset="0"/>
               <a:buChar char="•"/>
             </a:pPr>
@@ -5770,17 +6036,17 @@
             </a:r>
           </a:p>
           <a:p>
-            <a:pPr marL="342900" indent="-342900">
+            <a:pPr marL="342900" indent="-342900" algn="just">
               <a:buFont typeface="Arial" charset="0"/>
               <a:buChar char="•"/>
             </a:pPr>
             <a:r>
               <a:rPr lang="pt-BR" dirty="0"/>
-              <a:t>O pseudocódigo é um conjunto detalhado de notas que o programador escreve para guia-lo na construção do programa em si.</a:t>
-            </a:r>
-          </a:p>
-          <a:p>
-            <a:pPr marL="342900" indent="-342900">
+              <a:t>O pseudocódigo é um conjunto detalhado de notas que o programador escreve para guiá-lo na construção do programa em si.</a:t>
+            </a:r>
+          </a:p>
+          <a:p>
+            <a:pPr marL="342900" indent="-342900" algn="just">
               <a:buFont typeface="Arial" charset="0"/>
               <a:buChar char="•"/>
             </a:pPr>
@@ -5790,7 +6056,7 @@
             </a:r>
           </a:p>
           <a:p>
-            <a:pPr marL="342900" indent="-342900">
+            <a:pPr marL="342900" indent="-342900" algn="just">
               <a:buFont typeface="Arial" charset="0"/>
               <a:buChar char="•"/>
             </a:pPr>
@@ -5800,7 +6066,7 @@
             </a:r>
           </a:p>
           <a:p>
-            <a:pPr marL="342900" indent="-342900">
+            <a:pPr marL="342900" indent="-342900" algn="just">
               <a:buFont typeface="Arial" charset="0"/>
               <a:buChar char="•"/>
             </a:pPr>
@@ -5810,39 +6076,10 @@
             </a:r>
           </a:p>
           <a:p>
-            <a:pPr marL="0" indent="0">
+            <a:pPr marL="0" indent="0" algn="just">
               <a:buNone/>
             </a:pPr>
             <a:endParaRPr lang="pt-BR" dirty="0"/>
-          </a:p>
-        </p:txBody>
-      </p:sp>
-      <p:sp>
-        <p:nvSpPr>
-          <p:cNvPr id="4" name="Footer Placeholder 3">
-            <a:extLst>
-              <a:ext uri="{FF2B5EF4-FFF2-40B4-BE49-F238E27FC236}">
-                <a16:creationId xmlns:a16="http://schemas.microsoft.com/office/drawing/2014/main" id="{80E11A9B-8272-4892-84F4-9E0AFAB4ECFD}"/>
-              </a:ext>
-            </a:extLst>
-          </p:cNvPr>
-          <p:cNvSpPr>
-            <a:spLocks noGrp="1"/>
-          </p:cNvSpPr>
-          <p:nvPr>
-            <p:ph type="ftr" sz="quarter" idx="11"/>
-          </p:nvPr>
-        </p:nvSpPr>
-        <p:spPr/>
-        <p:txBody>
-          <a:bodyPr/>
-          <a:lstStyle/>
-          <a:p>
-            <a:r>
-              <a:rPr lang="en-US"/>
-              <a:t>Copyright © 2020 SPIKE Prime Lessons (primelessons.org) CC-BY-NC-SA.  (Last edit: 1/9/2020)</a:t>
-            </a:r>
-            <a:endParaRPr lang="en-US" dirty="0"/>
           </a:p>
         </p:txBody>
       </p:sp>
@@ -5872,6 +6109,39 @@
               <a:t>3</a:t>
             </a:fld>
             <a:endParaRPr lang="en-US"/>
+          </a:p>
+        </p:txBody>
+      </p:sp>
+      <p:sp>
+        <p:nvSpPr>
+          <p:cNvPr id="6" name="Footer Placeholder 3">
+            <a:extLst>
+              <a:ext uri="{FF2B5EF4-FFF2-40B4-BE49-F238E27FC236}">
+                <a16:creationId xmlns:a16="http://schemas.microsoft.com/office/drawing/2014/main" id="{51F81C8A-3313-461A-AD56-62092C7C7ED3}"/>
+              </a:ext>
+            </a:extLst>
+          </p:cNvPr>
+          <p:cNvSpPr>
+            <a:spLocks noGrp="1"/>
+          </p:cNvSpPr>
+          <p:nvPr>
+            <p:ph type="ftr" sz="quarter" idx="11"/>
+          </p:nvPr>
+        </p:nvSpPr>
+        <p:spPr>
+          <a:xfrm>
+            <a:off x="88409" y="6321349"/>
+            <a:ext cx="4870585" cy="365125"/>
+          </a:xfrm>
+        </p:spPr>
+        <p:txBody>
+          <a:bodyPr/>
+          <a:lstStyle/>
+          <a:p>
+            <a:r>
+              <a:rPr lang="en-US" dirty="0"/>
+              <a:t>Copyright © 2020 SPIKE Prime Lessons (primelessons.org) CC-BY-NC-SA.  (Last edit: 07/12/2020)</a:t>
+            </a:r>
           </a:p>
         </p:txBody>
       </p:sp>
@@ -5940,7 +6210,7 @@
             </a:r>
             <a:r>
               <a:rPr lang="pt-BR" dirty="0" err="1"/>
-              <a:t>imporante</a:t>
+              <a:t>imporTante</a:t>
             </a:r>
             <a:r>
               <a:rPr lang="pt-BR" dirty="0"/>
@@ -5973,59 +6243,38 @@
           </a:bodyPr>
           <a:lstStyle/>
           <a:p>
-            <a:pPr marL="342900" indent="-342900">
+            <a:pPr marL="342900" indent="-342900" algn="just">
               <a:buFont typeface="Arial" charset="0"/>
               <a:buChar char="•"/>
             </a:pPr>
             <a:r>
               <a:rPr lang="pt-BR" sz="2400" dirty="0"/>
-              <a:t>Uma boa </a:t>
-            </a:r>
-            <a:r>
-              <a:rPr lang="pt-BR" sz="2400" dirty="0" err="1"/>
-              <a:t>idéia</a:t>
-            </a:r>
-            <a:r>
-              <a:rPr lang="pt-BR" sz="2400" dirty="0"/>
-              <a:t> para entender a importância de um bom pseudocódigo é tentar escrever soluções para algo simples.</a:t>
-            </a:r>
-          </a:p>
-          <a:p>
-            <a:pPr lvl="2"/>
+              <a:t>Uma boa ideia para entender a importância de um bom pseudocódigo é tentar escrever soluções para algo simples.</a:t>
+            </a:r>
+          </a:p>
+          <a:p>
+            <a:pPr lvl="2" algn="just"/>
             <a:r>
               <a:rPr lang="pt-BR" sz="1800" dirty="0"/>
-              <a:t>Como fazer um sanduíche, como decorar um bolo, como plantar uma semente </a:t>
-            </a:r>
-            <a:r>
-              <a:rPr lang="pt-BR" sz="1800" dirty="0" err="1"/>
-              <a:t>etc</a:t>
-            </a:r>
-            <a:endParaRPr lang="pt-BR" sz="1800" dirty="0"/>
-          </a:p>
-          <a:p>
-            <a:pPr lvl="2"/>
+              <a:t>Como fazer um sanduíche, como decorar um bolo, como plantar uma semente etc.</a:t>
+            </a:r>
+          </a:p>
+          <a:p>
+            <a:pPr lvl="2" algn="just"/>
             <a:r>
               <a:rPr lang="pt-BR" sz="1800" dirty="0"/>
-              <a:t>Os alunos devem escrever essas instruções e deixar seu professor </a:t>
-            </a:r>
-            <a:r>
-              <a:rPr lang="pt-BR" sz="1800" dirty="0" err="1"/>
-              <a:t>segui-lás</a:t>
-            </a:r>
-            <a:r>
-              <a:rPr lang="pt-BR" sz="1800" dirty="0"/>
-              <a:t>.</a:t>
-            </a:r>
-          </a:p>
-          <a:p>
-            <a:pPr lvl="2"/>
+              <a:t>Os alunos devem escrever essas instruções e deixar seu professor segui-las.</a:t>
+            </a:r>
+          </a:p>
+          <a:p>
+            <a:pPr lvl="2" algn="just"/>
             <a:r>
               <a:rPr lang="pt-BR" sz="1800" dirty="0"/>
               <a:t>Depois compare os resultados  </a:t>
             </a:r>
           </a:p>
           <a:p>
-            <a:pPr marL="342900" indent="-342900">
+            <a:pPr marL="342900" indent="-342900" algn="just">
               <a:buFont typeface="Arial" charset="0"/>
               <a:buChar char="•"/>
             </a:pPr>
@@ -6035,7 +6284,7 @@
             </a:r>
           </a:p>
           <a:p>
-            <a:pPr lvl="2"/>
+            <a:pPr lvl="2" algn="just"/>
             <a:r>
               <a:rPr lang="pt-BR" sz="1800" dirty="0">
                 <a:solidFill>
@@ -6046,7 +6295,7 @@
             </a:r>
           </a:p>
           <a:p>
-            <a:pPr lvl="2"/>
+            <a:pPr lvl="2" algn="just"/>
             <a:r>
               <a:rPr lang="pt-BR" sz="1800" dirty="0">
                 <a:solidFill>
@@ -6057,7 +6306,7 @@
             </a:r>
           </a:p>
           <a:p>
-            <a:pPr lvl="2"/>
+            <a:pPr lvl="2" algn="just"/>
             <a:r>
               <a:rPr lang="pt-BR" sz="1800" dirty="0">
                 <a:solidFill>
@@ -6068,7 +6317,7 @@
             </a:r>
           </a:p>
           <a:p>
-            <a:pPr marL="342900" lvl="0" indent="-342900">
+            <a:pPr marL="342900" lvl="0" indent="-342900" algn="just">
               <a:buFont typeface="Arial" charset="0"/>
               <a:buChar char="•"/>
             </a:pPr>
@@ -6078,35 +6327,7 @@
             </a:r>
           </a:p>
           <a:p>
-            <a:endParaRPr lang="en-US" dirty="0"/>
-          </a:p>
-        </p:txBody>
-      </p:sp>
-      <p:sp>
-        <p:nvSpPr>
-          <p:cNvPr id="4" name="Footer Placeholder 3">
-            <a:extLst>
-              <a:ext uri="{FF2B5EF4-FFF2-40B4-BE49-F238E27FC236}">
-                <a16:creationId xmlns:a16="http://schemas.microsoft.com/office/drawing/2014/main" id="{A92561EB-1B4B-4AED-BB72-2CF549367869}"/>
-              </a:ext>
-            </a:extLst>
-          </p:cNvPr>
-          <p:cNvSpPr>
-            <a:spLocks noGrp="1"/>
-          </p:cNvSpPr>
-          <p:nvPr>
-            <p:ph type="ftr" sz="quarter" idx="11"/>
-          </p:nvPr>
-        </p:nvSpPr>
-        <p:spPr/>
-        <p:txBody>
-          <a:bodyPr/>
-          <a:lstStyle/>
-          <a:p>
-            <a:r>
-              <a:rPr lang="en-US"/>
-              <a:t>Copyright © 2020 SPIKE Prime Lessons (primelessons.org) CC-BY-NC-SA.  (Last edit: 1/9/2020)</a:t>
-            </a:r>
+            <a:pPr algn="just"/>
             <a:endParaRPr lang="en-US" dirty="0"/>
           </a:p>
         </p:txBody>
@@ -6137,6 +6358,39 @@
               <a:t>4</a:t>
             </a:fld>
             <a:endParaRPr lang="en-US"/>
+          </a:p>
+        </p:txBody>
+      </p:sp>
+      <p:sp>
+        <p:nvSpPr>
+          <p:cNvPr id="6" name="Footer Placeholder 3">
+            <a:extLst>
+              <a:ext uri="{FF2B5EF4-FFF2-40B4-BE49-F238E27FC236}">
+                <a16:creationId xmlns:a16="http://schemas.microsoft.com/office/drawing/2014/main" id="{0428DF72-AC0C-4032-8434-51C2B0328CD1}"/>
+              </a:ext>
+            </a:extLst>
+          </p:cNvPr>
+          <p:cNvSpPr>
+            <a:spLocks noGrp="1"/>
+          </p:cNvSpPr>
+          <p:nvPr>
+            <p:ph type="ftr" sz="quarter" idx="11"/>
+          </p:nvPr>
+        </p:nvSpPr>
+        <p:spPr>
+          <a:xfrm>
+            <a:off x="88409" y="6321349"/>
+            <a:ext cx="4870585" cy="365125"/>
+          </a:xfrm>
+        </p:spPr>
+        <p:txBody>
+          <a:bodyPr/>
+          <a:lstStyle/>
+          <a:p>
+            <a:r>
+              <a:rPr lang="en-US" dirty="0"/>
+              <a:t>Copyright © 2020 SPIKE Prime Lessons (primelessons.org) CC-BY-NC-SA.  (Last edit: 07/12/2020)</a:t>
+            </a:r>
           </a:p>
         </p:txBody>
       </p:sp>
@@ -6186,7 +6440,12 @@
             <p:ph type="title"/>
           </p:nvPr>
         </p:nvSpPr>
-        <p:spPr/>
+        <p:spPr>
+          <a:xfrm>
+            <a:off x="175260" y="292975"/>
+            <a:ext cx="8812530" cy="752706"/>
+          </a:xfrm>
+        </p:spPr>
         <p:txBody>
           <a:bodyPr>
             <a:normAutofit fontScale="90000"/>
@@ -6229,35 +6488,6 @@
               <a:rPr lang="en-US" dirty="0"/>
               <a:t>?</a:t>
             </a:r>
-          </a:p>
-        </p:txBody>
-      </p:sp>
-      <p:sp>
-        <p:nvSpPr>
-          <p:cNvPr id="4" name="Footer Placeholder 3">
-            <a:extLst>
-              <a:ext uri="{FF2B5EF4-FFF2-40B4-BE49-F238E27FC236}">
-                <a16:creationId xmlns:a16="http://schemas.microsoft.com/office/drawing/2014/main" id="{9E2A5247-3673-463C-9CD6-E8DC4DF22DD5}"/>
-              </a:ext>
-            </a:extLst>
-          </p:cNvPr>
-          <p:cNvSpPr>
-            <a:spLocks noGrp="1"/>
-          </p:cNvSpPr>
-          <p:nvPr>
-            <p:ph type="ftr" sz="quarter" idx="11"/>
-          </p:nvPr>
-        </p:nvSpPr>
-        <p:spPr/>
-        <p:txBody>
-          <a:bodyPr/>
-          <a:lstStyle/>
-          <a:p>
-            <a:r>
-              <a:rPr lang="en-US"/>
-              <a:t>Copyright © 2020 SPIKE Prime Lessons (primelessons.org) CC-BY-NC-SA.  (Last edit: 1/9/2020)</a:t>
-            </a:r>
-            <a:endParaRPr lang="en-US" dirty="0"/>
           </a:p>
         </p:txBody>
       </p:sp>
@@ -6350,7 +6580,7 @@
             </a:pPr>
             <a:r>
               <a:rPr lang="pt-BR" dirty="0"/>
-              <a:t>Certifique-se de escrever caso o robô deva repetir uma tarefa.</a:t>
+              <a:t>Certifique-se de escrever caso o robô tenha que repetir uma tarefa.</a:t>
             </a:r>
           </a:p>
           <a:p>
@@ -6359,7 +6589,7 @@
             </a:pPr>
             <a:r>
               <a:rPr lang="pt-BR" dirty="0"/>
-              <a:t>O robô deve seguir fazendo a tarefa sempre ou ela acaba?</a:t>
+              <a:t>O robô deve seguir fazendo a tarefa para sempre ou ela acaba?</a:t>
             </a:r>
           </a:p>
           <a:p>
@@ -6468,6 +6698,39 @@
                 </a:solidFill>
               </a:rPr>
               <a:t>Esse colega deve ser guiado através de uma sala de aula com obstáculos ouvindo somente as instruções de seus companheiros.</a:t>
+            </a:r>
+          </a:p>
+        </p:txBody>
+      </p:sp>
+      <p:sp>
+        <p:nvSpPr>
+          <p:cNvPr id="7" name="Footer Placeholder 3">
+            <a:extLst>
+              <a:ext uri="{FF2B5EF4-FFF2-40B4-BE49-F238E27FC236}">
+                <a16:creationId xmlns:a16="http://schemas.microsoft.com/office/drawing/2014/main" id="{F87FAACD-7228-414B-809B-1D50B46D4FA8}"/>
+              </a:ext>
+            </a:extLst>
+          </p:cNvPr>
+          <p:cNvSpPr>
+            <a:spLocks noGrp="1"/>
+          </p:cNvSpPr>
+          <p:nvPr>
+            <p:ph type="ftr" sz="quarter" idx="11"/>
+          </p:nvPr>
+        </p:nvSpPr>
+        <p:spPr>
+          <a:xfrm>
+            <a:off x="88409" y="6321349"/>
+            <a:ext cx="4870585" cy="365125"/>
+          </a:xfrm>
+        </p:spPr>
+        <p:txBody>
+          <a:bodyPr/>
+          <a:lstStyle/>
+          <a:p>
+            <a:r>
+              <a:rPr lang="en-US" dirty="0"/>
+              <a:t>Copyright © 2020 SPIKE Prime Lessons (primelessons.org) CC-BY-NC-SA.  (Last edit: 07/12/2020)</a:t>
             </a:r>
           </a:p>
         </p:txBody>
@@ -6567,75 +6830,46 @@
           </a:bodyPr>
           <a:lstStyle/>
           <a:p>
-            <a:pPr lvl="0"/>
+            <a:pPr lvl="0" algn="just"/>
             <a:r>
               <a:rPr lang="pt-BR" dirty="0"/>
               <a:t>O robô precisa dar a volta em uma caixa quadrada.  Ele começa na linha, voltado para o norte. Ele finaliza a tarefa na mesma linha, também voltado para o norte.</a:t>
             </a:r>
           </a:p>
           <a:p>
-            <a:pPr lvl="0"/>
+            <a:pPr lvl="0" algn="just"/>
             <a:r>
               <a:rPr lang="pt-BR" dirty="0"/>
               <a:t>Escreva o pseudocódigo para este programa.</a:t>
             </a:r>
           </a:p>
           <a:p>
-            <a:pPr lvl="0"/>
+            <a:pPr lvl="0" algn="just"/>
             <a:r>
               <a:rPr lang="pt-BR" dirty="0"/>
               <a:t>Solução do pseudocódigo</a:t>
             </a:r>
           </a:p>
           <a:p>
-            <a:pPr lvl="1"/>
+            <a:pPr lvl="1" algn="just"/>
             <a:r>
               <a:rPr lang="pt-BR" dirty="0"/>
-              <a:t>Passo 1: Vá para frente por 20 cm</a:t>
-            </a:r>
-          </a:p>
-          <a:p>
-            <a:pPr lvl="1"/>
+              <a:t>Passo 1:  Vá para frente por 20 cm</a:t>
+            </a:r>
+          </a:p>
+          <a:p>
+            <a:pPr lvl="1" algn="just"/>
             <a:r>
               <a:rPr lang="pt-BR" dirty="0"/>
-              <a:t>Passo 2: Vire 90 graus a esquerda </a:t>
-            </a:r>
-          </a:p>
-          <a:p>
-            <a:pPr lvl="1"/>
+              <a:t>Passo 2:  Vire 90 graus a esquerda </a:t>
+            </a:r>
+          </a:p>
+          <a:p>
+            <a:pPr lvl="1" algn="just"/>
             <a:r>
               <a:rPr lang="pt-BR" dirty="0"/>
-              <a:t>Passo 4: Repita os passos 1 e 2 por um total de 4 vezes</a:t>
-            </a:r>
-          </a:p>
-        </p:txBody>
-      </p:sp>
-      <p:sp>
-        <p:nvSpPr>
-          <p:cNvPr id="4" name="Footer Placeholder 3">
-            <a:extLst>
-              <a:ext uri="{FF2B5EF4-FFF2-40B4-BE49-F238E27FC236}">
-                <a16:creationId xmlns:a16="http://schemas.microsoft.com/office/drawing/2014/main" id="{A72D3E54-5FC7-46A3-BE08-D5C1CC49D9CD}"/>
-              </a:ext>
-            </a:extLst>
-          </p:cNvPr>
-          <p:cNvSpPr>
-            <a:spLocks noGrp="1"/>
-          </p:cNvSpPr>
-          <p:nvPr>
-            <p:ph type="ftr" sz="quarter" idx="11"/>
-          </p:nvPr>
-        </p:nvSpPr>
-        <p:spPr/>
-        <p:txBody>
-          <a:bodyPr/>
-          <a:lstStyle/>
-          <a:p>
-            <a:r>
-              <a:rPr lang="en-US"/>
-              <a:t>Copyright © 2020 SPIKE Prime Lessons (primelessons.org) CC-BY-NC-SA.  (Last edit: 1/9/2020)</a:t>
-            </a:r>
-            <a:endParaRPr lang="en-US" dirty="0"/>
+              <a:t>Passo 3: Repita os passos 1 e 2 por um total de quatro vezes</a:t>
+            </a:r>
           </a:p>
         </p:txBody>
       </p:sp>
@@ -6882,7 +7116,7 @@
             <a:pPr lvl="0" algn="ctr"/>
             <a:r>
               <a:rPr lang="pt-BR" b="1" dirty="0"/>
-              <a:t>Você pode escrever o pseudocódigo em um pedaço de papel ou até na secção de comentários do software do SPIKE Prime. (Veja a próxima lição sobre comentar o código)</a:t>
+              <a:t>Você pode escrever o pseudocódigo em um pedaço de papel ou até na seção de comentários do software do SPIKE Prime. (Veja a próxima lição sobre comentar o código)</a:t>
             </a:r>
           </a:p>
         </p:txBody>
@@ -7256,6 +7490,39 @@
           </p:txBody>
         </p:sp>
       </p:grpSp>
+      <p:sp>
+        <p:nvSpPr>
+          <p:cNvPr id="18" name="Footer Placeholder 3">
+            <a:extLst>
+              <a:ext uri="{FF2B5EF4-FFF2-40B4-BE49-F238E27FC236}">
+                <a16:creationId xmlns:a16="http://schemas.microsoft.com/office/drawing/2014/main" id="{153C712E-B223-4CEC-9171-05BF051BF291}"/>
+              </a:ext>
+            </a:extLst>
+          </p:cNvPr>
+          <p:cNvSpPr>
+            <a:spLocks noGrp="1"/>
+          </p:cNvSpPr>
+          <p:nvPr>
+            <p:ph type="ftr" sz="quarter" idx="11"/>
+          </p:nvPr>
+        </p:nvSpPr>
+        <p:spPr>
+          <a:xfrm>
+            <a:off x="88409" y="6321349"/>
+            <a:ext cx="4870585" cy="365125"/>
+          </a:xfrm>
+        </p:spPr>
+        <p:txBody>
+          <a:bodyPr/>
+          <a:lstStyle/>
+          <a:p>
+            <a:r>
+              <a:rPr lang="en-US" dirty="0"/>
+              <a:t>Copyright © 2020 SPIKE Prime Lessons (primelessons.org) CC-BY-NC-SA.  (Last edit: 07/12/2020)</a:t>
+            </a:r>
+          </a:p>
+        </p:txBody>
+      </p:sp>
     </p:spTree>
     <p:extLst>
       <p:ext uri="{BB962C8B-B14F-4D97-AF65-F5344CB8AC3E}">
@@ -7386,65 +7653,45 @@
           </a:bodyPr>
           <a:lstStyle/>
           <a:p>
+            <a:pPr algn="just"/>
             <a:r>
               <a:rPr lang="pt-BR" dirty="0"/>
               <a:t>Se você tem uma série de missões para o seu robô completar, planejar com antecedência pode ajudar muito</a:t>
             </a:r>
           </a:p>
           <a:p>
+            <a:pPr algn="just"/>
             <a:r>
               <a:rPr lang="pt-BR" dirty="0"/>
               <a:t>Você pode desenhar o caminho que seu robô precisa percorrer e depois escrever as etapas para isso.</a:t>
             </a:r>
           </a:p>
           <a:p>
+            <a:pPr algn="just"/>
             <a:r>
               <a:rPr lang="pt-BR" dirty="0"/>
-              <a:t>FLLTutorials.com tem planilhas de apoio para planejar os caminhos de cada temporada da FLL. </a:t>
-            </a:r>
-            <a:r>
-              <a:rPr lang="en-US" sz="1600" dirty="0"/>
+              <a:t>FLLTutorials.com tem planilhas de apoio para planejar os caminhos de cada temporada da FLL.</a:t>
+            </a:r>
+          </a:p>
+          <a:p>
+            <a:pPr marL="324000" lvl="1" indent="0" algn="just">
+              <a:buNone/>
+            </a:pPr>
+            <a:r>
+              <a:rPr lang="en-US" dirty="0"/>
               <a:t>(</a:t>
             </a:r>
             <a:r>
-              <a:rPr lang="es-419" sz="1600" dirty="0">
+              <a:rPr lang="es-419" dirty="0">
                 <a:hlinkClick r:id="rId3"/>
               </a:rPr>
               <a:t>http://flltutorials.com/Worksheets.html</a:t>
             </a:r>
             <a:r>
-              <a:rPr lang="es-419" sz="1600" dirty="0"/>
+              <a:rPr lang="es-419" dirty="0"/>
               <a:t>)</a:t>
             </a:r>
             <a:endParaRPr lang="en-US" dirty="0"/>
-          </a:p>
-        </p:txBody>
-      </p:sp>
-      <p:sp>
-        <p:nvSpPr>
-          <p:cNvPr id="4" name="Footer Placeholder 3">
-            <a:extLst>
-              <a:ext uri="{FF2B5EF4-FFF2-40B4-BE49-F238E27FC236}">
-                <a16:creationId xmlns:a16="http://schemas.microsoft.com/office/drawing/2014/main" id="{E6997376-C878-44E8-BABC-8BC5267CE331}"/>
-              </a:ext>
-            </a:extLst>
-          </p:cNvPr>
-          <p:cNvSpPr>
-            <a:spLocks noGrp="1"/>
-          </p:cNvSpPr>
-          <p:nvPr>
-            <p:ph type="ftr" sz="quarter" idx="11"/>
-          </p:nvPr>
-        </p:nvSpPr>
-        <p:spPr/>
-        <p:txBody>
-          <a:bodyPr/>
-          <a:lstStyle/>
-          <a:p>
-            <a:r>
-              <a:rPr lang="en-US" dirty="0"/>
-              <a:t>Copyright © 2020 SPIKE Prime Lessons (primelessons.org) CC-BY-NC-SA.  (Last edit: 1/9/2020)</a:t>
-            </a:r>
           </a:p>
         </p:txBody>
       </p:sp>
@@ -7512,6 +7759,39 @@
           </a:ln>
         </p:spPr>
       </p:pic>
+      <p:sp>
+        <p:nvSpPr>
+          <p:cNvPr id="9" name="Footer Placeholder 3">
+            <a:extLst>
+              <a:ext uri="{FF2B5EF4-FFF2-40B4-BE49-F238E27FC236}">
+                <a16:creationId xmlns:a16="http://schemas.microsoft.com/office/drawing/2014/main" id="{5C57F1E0-F952-4AA3-AC9B-65166230523A}"/>
+              </a:ext>
+            </a:extLst>
+          </p:cNvPr>
+          <p:cNvSpPr>
+            <a:spLocks noGrp="1"/>
+          </p:cNvSpPr>
+          <p:nvPr>
+            <p:ph type="ftr" sz="quarter" idx="11"/>
+          </p:nvPr>
+        </p:nvSpPr>
+        <p:spPr>
+          <a:xfrm>
+            <a:off x="88409" y="6321349"/>
+            <a:ext cx="4870585" cy="365125"/>
+          </a:xfrm>
+        </p:spPr>
+        <p:txBody>
+          <a:bodyPr/>
+          <a:lstStyle/>
+          <a:p>
+            <a:r>
+              <a:rPr lang="en-US" dirty="0"/>
+              <a:t>Copyright © 2020 SPIKE Prime Lessons (primelessons.org) CC-BY-NC-SA.  (Last edit: 07/12/2020)</a:t>
+            </a:r>
+          </a:p>
+        </p:txBody>
+      </p:sp>
     </p:spTree>
     <p:extLst>
       <p:ext uri="{BB962C8B-B14F-4D97-AF65-F5344CB8AC3E}">
@@ -7680,7 +7960,15 @@
             </a:r>
             <a:r>
               <a:rPr lang="en-US" sz="1600" dirty="0"/>
-              <a:t> por Lucas Colonna</a:t>
+              <a:t> por Lucas Colonna e </a:t>
+            </a:r>
+            <a:r>
+              <a:rPr lang="en-US" sz="1600" dirty="0" err="1"/>
+              <a:t>revisado</a:t>
+            </a:r>
+            <a:r>
+              <a:rPr lang="en-US" sz="1600" dirty="0"/>
+              <a:t> por Anderson Harayashiki Moreira</a:t>
             </a:r>
           </a:p>
         </p:txBody>
@@ -7702,7 +7990,7 @@
           <a:p>
             <a:r>
               <a:rPr lang="en-US" dirty="0"/>
-              <a:t>Copyright © 2020 SPIKE Prime Lessons (primelessons.org) CC-BY-NC-SA.  (Last edit: 1/9/2020)</a:t>
+              <a:t>Copyright © 2020 SPIKE Prime Lessons (primelessons.org) CC-BY-NC-SA.  (Last edit: 07/12/2020)</a:t>
             </a:r>
           </a:p>
         </p:txBody>
@@ -7732,7 +8020,7 @@
           <a:effectLst/>
           <a:extLst>
             <a:ext uri="{91240B29-F687-4f45-9708-019B960494DF}">
-              <a14:hiddenLine xmlns="" xmlns:a14="http://schemas.microsoft.com/office/drawing/2010/main" w="9525">
+              <a14:hiddenLine xmlns:a14="http://schemas.microsoft.com/office/drawing/2010/main" xmlns="" w="9525">
                 <a:solidFill>
                   <a:schemeClr val="tx1"/>
                 </a:solidFill>
@@ -7742,7 +8030,7 @@
               </a14:hiddenLine>
             </a:ext>
             <a:ext uri="{AF507438-7753-43e0-B8FC-AC1667EBCBE1}">
-              <a14:hiddenEffects xmlns="" xmlns:a14="http://schemas.microsoft.com/office/drawing/2010/main">
+              <a14:hiddenEffects xmlns:a14="http://schemas.microsoft.com/office/drawing/2010/main" xmlns="">
                 <a:effectLst>
                   <a:outerShdw dist="35921" dir="2700000" algn="ctr" rotWithShape="0">
                     <a:schemeClr val="bg2"/>
@@ -8083,7 +8371,7 @@
           <a:noFill/>
           <a:extLst>
             <a:ext uri="{909E8E84-426E-40dd-AFC4-6F175D3DCCD1}">
-              <a14:hiddenFill xmlns="" xmlns:a14="http://schemas.microsoft.com/office/drawing/2010/main">
+              <a14:hiddenFill xmlns:a14="http://schemas.microsoft.com/office/drawing/2010/main" xmlns="">
                 <a:solidFill>
                   <a:srgbClr val="FFFFFF"/>
                 </a:solidFill>
